--- a/weekly_update.pptx
+++ b/weekly_update.pptx
@@ -126,7 +126,7 @@
 <file path=ppt/revisionInfo.xml><?xml version="1.0" encoding="utf-8"?>
 <p1510:revInfo xmlns:a="http://schemas.openxmlformats.org/drawingml/2006/main" xmlns:r="http://schemas.openxmlformats.org/officeDocument/2006/relationships" xmlns:p1510="http://schemas.microsoft.com/office/powerpoint/2015/10/main">
   <p1510:revLst>
-    <p1510:client id="{689B2F44-B88C-4E4C-B8FD-7F84D5608C3F}" v="3" dt="2020-11-17T19:22:18.211"/>
+    <p1510:client id="{689B2F44-B88C-4E4C-B8FD-7F84D5608C3F}" v="9" dt="2020-11-18T08:41:14.525"/>
   </p1510:revLst>
 </p1510:revInfo>
 </file>
@@ -136,12 +136,12 @@
   <pc:docChgLst>
     <pc:chgData name="Timo van der Kuil" userId="e25bf463e69f5f04" providerId="LiveId" clId="{689B2F44-B88C-4E4C-B8FD-7F84D5608C3F}"/>
     <pc:docChg chg="custSel addSld modSld">
-      <pc:chgData name="Timo van der Kuil" userId="e25bf463e69f5f04" providerId="LiveId" clId="{689B2F44-B88C-4E4C-B8FD-7F84D5608C3F}" dt="2020-11-17T19:22:18.211" v="198"/>
+      <pc:chgData name="Timo van der Kuil" userId="e25bf463e69f5f04" providerId="LiveId" clId="{689B2F44-B88C-4E4C-B8FD-7F84D5608C3F}" dt="2020-11-18T08:42:32.507" v="275" actId="1076"/>
       <pc:docMkLst>
         <pc:docMk/>
       </pc:docMkLst>
       <pc:sldChg chg="addSp delSp modSp new mod modAnim">
-        <pc:chgData name="Timo van der Kuil" userId="e25bf463e69f5f04" providerId="LiveId" clId="{689B2F44-B88C-4E4C-B8FD-7F84D5608C3F}" dt="2020-11-17T19:22:18.211" v="198"/>
+        <pc:chgData name="Timo van der Kuil" userId="e25bf463e69f5f04" providerId="LiveId" clId="{689B2F44-B88C-4E4C-B8FD-7F84D5608C3F}" dt="2020-11-18T08:36:39.840" v="203"/>
         <pc:sldMkLst>
           <pc:docMk/>
           <pc:sldMk cId="743413438" sldId="267"/>
@@ -163,6 +163,14 @@
           </ac:spMkLst>
         </pc:spChg>
         <pc:spChg chg="add mod">
+          <ac:chgData name="Timo van der Kuil" userId="e25bf463e69f5f04" providerId="LiveId" clId="{689B2F44-B88C-4E4C-B8FD-7F84D5608C3F}" dt="2020-11-18T08:36:14.489" v="201" actId="14100"/>
+          <ac:spMkLst>
+            <pc:docMk/>
+            <pc:sldMk cId="743413438" sldId="267"/>
+            <ac:spMk id="4" creationId="{9AD976F5-3F1E-43FC-B901-54461B8C3B47}"/>
+          </ac:spMkLst>
+        </pc:spChg>
+        <pc:spChg chg="add mod">
           <ac:chgData name="Timo van der Kuil" userId="e25bf463e69f5f04" providerId="LiveId" clId="{689B2F44-B88C-4E4C-B8FD-7F84D5608C3F}" dt="2020-11-17T19:02:38.362" v="16" actId="1076"/>
           <ac:spMkLst>
             <pc:docMk/>
@@ -180,7 +188,7 @@
         </pc:picChg>
       </pc:sldChg>
       <pc:sldChg chg="addSp delSp modSp new mod">
-        <pc:chgData name="Timo van der Kuil" userId="e25bf463e69f5f04" providerId="LiveId" clId="{689B2F44-B88C-4E4C-B8FD-7F84D5608C3F}" dt="2020-11-17T19:17:34.914" v="197" actId="20577"/>
+        <pc:chgData name="Timo van der Kuil" userId="e25bf463e69f5f04" providerId="LiveId" clId="{689B2F44-B88C-4E4C-B8FD-7F84D5608C3F}" dt="2020-11-18T08:42:32.507" v="275" actId="1076"/>
         <pc:sldMkLst>
           <pc:docMk/>
           <pc:sldMk cId="4133944255" sldId="268"/>
@@ -210,7 +218,23 @@
           </ac:spMkLst>
         </pc:spChg>
         <pc:spChg chg="add mod">
-          <ac:chgData name="Timo van der Kuil" userId="e25bf463e69f5f04" providerId="LiveId" clId="{689B2F44-B88C-4E4C-B8FD-7F84D5608C3F}" dt="2020-11-17T19:16:06.453" v="69" actId="1076"/>
+          <ac:chgData name="Timo van der Kuil" userId="e25bf463e69f5f04" providerId="LiveId" clId="{689B2F44-B88C-4E4C-B8FD-7F84D5608C3F}" dt="2020-11-18T08:38:43.764" v="235" actId="1076"/>
+          <ac:spMkLst>
+            <pc:docMk/>
+            <pc:sldMk cId="4133944255" sldId="268"/>
+            <ac:spMk id="12" creationId="{2EE4A76D-767A-4413-AB03-B74601804281}"/>
+          </ac:spMkLst>
+        </pc:spChg>
+        <pc:spChg chg="add mod">
+          <ac:chgData name="Timo van der Kuil" userId="e25bf463e69f5f04" providerId="LiveId" clId="{689B2F44-B88C-4E4C-B8FD-7F84D5608C3F}" dt="2020-11-18T08:40:42.835" v="264" actId="1076"/>
+          <ac:spMkLst>
+            <pc:docMk/>
+            <pc:sldMk cId="4133944255" sldId="268"/>
+            <ac:spMk id="14" creationId="{8FC4DC29-4876-43D9-BD59-AC7CF811639F}"/>
+          </ac:spMkLst>
+        </pc:spChg>
+        <pc:spChg chg="add mod">
+          <ac:chgData name="Timo van der Kuil" userId="e25bf463e69f5f04" providerId="LiveId" clId="{689B2F44-B88C-4E4C-B8FD-7F84D5608C3F}" dt="2020-11-18T08:41:17.748" v="270" actId="6549"/>
           <ac:spMkLst>
             <pc:docMk/>
             <pc:sldMk cId="4133944255" sldId="268"/>
@@ -218,7 +242,7 @@
           </ac:spMkLst>
         </pc:spChg>
         <pc:spChg chg="add mod">
-          <ac:chgData name="Timo van der Kuil" userId="e25bf463e69f5f04" providerId="LiveId" clId="{689B2F44-B88C-4E4C-B8FD-7F84D5608C3F}" dt="2020-11-17T19:15:49.400" v="65" actId="1076"/>
+          <ac:chgData name="Timo van der Kuil" userId="e25bf463e69f5f04" providerId="LiveId" clId="{689B2F44-B88C-4E4C-B8FD-7F84D5608C3F}" dt="2020-11-18T08:38:41.376" v="234" actId="1076"/>
           <ac:spMkLst>
             <pc:docMk/>
             <pc:sldMk cId="4133944255" sldId="268"/>
@@ -226,7 +250,7 @@
           </ac:spMkLst>
         </pc:spChg>
         <pc:spChg chg="add mod">
-          <ac:chgData name="Timo van der Kuil" userId="e25bf463e69f5f04" providerId="LiveId" clId="{689B2F44-B88C-4E4C-B8FD-7F84D5608C3F}" dt="2020-11-17T19:17:34.914" v="197" actId="20577"/>
+          <ac:chgData name="Timo van der Kuil" userId="e25bf463e69f5f04" providerId="LiveId" clId="{689B2F44-B88C-4E4C-B8FD-7F84D5608C3F}" dt="2020-11-18T08:40:32.206" v="263" actId="1076"/>
           <ac:spMkLst>
             <pc:docMk/>
             <pc:sldMk cId="4133944255" sldId="268"/>
@@ -234,7 +258,7 @@
           </ac:spMkLst>
         </pc:spChg>
         <pc:spChg chg="add mod">
-          <ac:chgData name="Timo van der Kuil" userId="e25bf463e69f5f04" providerId="LiveId" clId="{689B2F44-B88C-4E4C-B8FD-7F84D5608C3F}" dt="2020-11-17T19:17:19.994" v="172" actId="14100"/>
+          <ac:chgData name="Timo van der Kuil" userId="e25bf463e69f5f04" providerId="LiveId" clId="{689B2F44-B88C-4E4C-B8FD-7F84D5608C3F}" dt="2020-11-18T08:38:22.592" v="232" actId="1076"/>
           <ac:spMkLst>
             <pc:docMk/>
             <pc:sldMk cId="4133944255" sldId="268"/>
@@ -258,7 +282,7 @@
           </ac:picMkLst>
         </pc:picChg>
         <pc:picChg chg="add mod modCrop">
-          <ac:chgData name="Timo van der Kuil" userId="e25bf463e69f5f04" providerId="LiveId" clId="{689B2F44-B88C-4E4C-B8FD-7F84D5608C3F}" dt="2020-11-17T19:16:00.687" v="67" actId="1076"/>
+          <ac:chgData name="Timo van der Kuil" userId="e25bf463e69f5f04" providerId="LiveId" clId="{689B2F44-B88C-4E4C-B8FD-7F84D5608C3F}" dt="2020-11-18T08:41:33.051" v="274" actId="1076"/>
           <ac:picMkLst>
             <pc:docMk/>
             <pc:sldMk cId="4133944255" sldId="268"/>
@@ -266,7 +290,7 @@
           </ac:picMkLst>
         </pc:picChg>
         <pc:picChg chg="add mod">
-          <ac:chgData name="Timo van der Kuil" userId="e25bf463e69f5f04" providerId="LiveId" clId="{689B2F44-B88C-4E4C-B8FD-7F84D5608C3F}" dt="2020-11-17T19:16:02.418" v="68" actId="1076"/>
+          <ac:chgData name="Timo van der Kuil" userId="e25bf463e69f5f04" providerId="LiveId" clId="{689B2F44-B88C-4E4C-B8FD-7F84D5608C3F}" dt="2020-11-18T08:41:29.183" v="273" actId="1076"/>
           <ac:picMkLst>
             <pc:docMk/>
             <pc:sldMk cId="4133944255" sldId="268"/>
@@ -274,7 +298,7 @@
           </ac:picMkLst>
         </pc:picChg>
         <pc:picChg chg="add mod">
-          <ac:chgData name="Timo van der Kuil" userId="e25bf463e69f5f04" providerId="LiveId" clId="{689B2F44-B88C-4E4C-B8FD-7F84D5608C3F}" dt="2020-11-17T19:15:58.826" v="66" actId="1076"/>
+          <ac:chgData name="Timo van der Kuil" userId="e25bf463e69f5f04" providerId="LiveId" clId="{689B2F44-B88C-4E4C-B8FD-7F84D5608C3F}" dt="2020-11-18T08:41:22.315" v="271" actId="1076"/>
           <ac:picMkLst>
             <pc:docMk/>
             <pc:sldMk cId="4133944255" sldId="268"/>
@@ -282,7 +306,7 @@
           </ac:picMkLst>
         </pc:picChg>
         <pc:picChg chg="add mod">
-          <ac:chgData name="Timo van der Kuil" userId="e25bf463e69f5f04" providerId="LiveId" clId="{689B2F44-B88C-4E4C-B8FD-7F84D5608C3F}" dt="2020-11-17T19:15:31.141" v="64" actId="1076"/>
+          <ac:chgData name="Timo van der Kuil" userId="e25bf463e69f5f04" providerId="LiveId" clId="{689B2F44-B88C-4E4C-B8FD-7F84D5608C3F}" dt="2020-11-18T08:37:29.522" v="205" actId="1076"/>
           <ac:picMkLst>
             <pc:docMk/>
             <pc:sldMk cId="4133944255" sldId="268"/>
@@ -290,7 +314,7 @@
           </ac:picMkLst>
         </pc:picChg>
         <pc:cxnChg chg="add mod">
-          <ac:chgData name="Timo van der Kuil" userId="e25bf463e69f5f04" providerId="LiveId" clId="{689B2F44-B88C-4E4C-B8FD-7F84D5608C3F}" dt="2020-11-17T19:13:49.321" v="52" actId="1076"/>
+          <ac:chgData name="Timo van der Kuil" userId="e25bf463e69f5f04" providerId="LiveId" clId="{689B2F44-B88C-4E4C-B8FD-7F84D5608C3F}" dt="2020-11-18T08:42:32.507" v="275" actId="1076"/>
           <ac:cxnSpMkLst>
             <pc:docMk/>
             <pc:sldMk cId="4133944255" sldId="268"/>
@@ -452,7 +476,7 @@
           <a:p>
             <a:fld id="{7D3D2608-5EB0-4C36-BC0D-6596F5254CA2}" type="datetimeFigureOut">
               <a:rPr lang="en-GB" smtClean="0"/>
-              <a:t>17/11/2020</a:t>
+              <a:t>18/11/2020</a:t>
             </a:fld>
             <a:endParaRPr lang="en-GB"/>
           </a:p>
@@ -652,7 +676,7 @@
           <a:p>
             <a:fld id="{7D3D2608-5EB0-4C36-BC0D-6596F5254CA2}" type="datetimeFigureOut">
               <a:rPr lang="en-GB" smtClean="0"/>
-              <a:t>17/11/2020</a:t>
+              <a:t>18/11/2020</a:t>
             </a:fld>
             <a:endParaRPr lang="en-GB"/>
           </a:p>
@@ -862,7 +886,7 @@
           <a:p>
             <a:fld id="{7D3D2608-5EB0-4C36-BC0D-6596F5254CA2}" type="datetimeFigureOut">
               <a:rPr lang="en-GB" smtClean="0"/>
-              <a:t>17/11/2020</a:t>
+              <a:t>18/11/2020</a:t>
             </a:fld>
             <a:endParaRPr lang="en-GB"/>
           </a:p>
@@ -1062,7 +1086,7 @@
           <a:p>
             <a:fld id="{7D3D2608-5EB0-4C36-BC0D-6596F5254CA2}" type="datetimeFigureOut">
               <a:rPr lang="en-GB" smtClean="0"/>
-              <a:t>17/11/2020</a:t>
+              <a:t>18/11/2020</a:t>
             </a:fld>
             <a:endParaRPr lang="en-GB"/>
           </a:p>
@@ -1338,7 +1362,7 @@
           <a:p>
             <a:fld id="{7D3D2608-5EB0-4C36-BC0D-6596F5254CA2}" type="datetimeFigureOut">
               <a:rPr lang="en-GB" smtClean="0"/>
-              <a:t>17/11/2020</a:t>
+              <a:t>18/11/2020</a:t>
             </a:fld>
             <a:endParaRPr lang="en-GB"/>
           </a:p>
@@ -1606,7 +1630,7 @@
           <a:p>
             <a:fld id="{7D3D2608-5EB0-4C36-BC0D-6596F5254CA2}" type="datetimeFigureOut">
               <a:rPr lang="en-GB" smtClean="0"/>
-              <a:t>17/11/2020</a:t>
+              <a:t>18/11/2020</a:t>
             </a:fld>
             <a:endParaRPr lang="en-GB"/>
           </a:p>
@@ -2021,7 +2045,7 @@
           <a:p>
             <a:fld id="{7D3D2608-5EB0-4C36-BC0D-6596F5254CA2}" type="datetimeFigureOut">
               <a:rPr lang="en-GB" smtClean="0"/>
-              <a:t>17/11/2020</a:t>
+              <a:t>18/11/2020</a:t>
             </a:fld>
             <a:endParaRPr lang="en-GB"/>
           </a:p>
@@ -2163,7 +2187,7 @@
           <a:p>
             <a:fld id="{7D3D2608-5EB0-4C36-BC0D-6596F5254CA2}" type="datetimeFigureOut">
               <a:rPr lang="en-GB" smtClean="0"/>
-              <a:t>17/11/2020</a:t>
+              <a:t>18/11/2020</a:t>
             </a:fld>
             <a:endParaRPr lang="en-GB"/>
           </a:p>
@@ -2276,7 +2300,7 @@
           <a:p>
             <a:fld id="{7D3D2608-5EB0-4C36-BC0D-6596F5254CA2}" type="datetimeFigureOut">
               <a:rPr lang="en-GB" smtClean="0"/>
-              <a:t>17/11/2020</a:t>
+              <a:t>18/11/2020</a:t>
             </a:fld>
             <a:endParaRPr lang="en-GB"/>
           </a:p>
@@ -2589,7 +2613,7 @@
           <a:p>
             <a:fld id="{7D3D2608-5EB0-4C36-BC0D-6596F5254CA2}" type="datetimeFigureOut">
               <a:rPr lang="en-GB" smtClean="0"/>
-              <a:t>17/11/2020</a:t>
+              <a:t>18/11/2020</a:t>
             </a:fld>
             <a:endParaRPr lang="en-GB"/>
           </a:p>
@@ -2878,7 +2902,7 @@
           <a:p>
             <a:fld id="{7D3D2608-5EB0-4C36-BC0D-6596F5254CA2}" type="datetimeFigureOut">
               <a:rPr lang="en-GB" smtClean="0"/>
-              <a:t>17/11/2020</a:t>
+              <a:t>18/11/2020</a:t>
             </a:fld>
             <a:endParaRPr lang="en-GB"/>
           </a:p>
@@ -3121,7 +3145,7 @@
           <a:p>
             <a:fld id="{7D3D2608-5EB0-4C36-BC0D-6596F5254CA2}" type="datetimeFigureOut">
               <a:rPr lang="en-GB" smtClean="0"/>
-              <a:t>17/11/2020</a:t>
+              <a:t>18/11/2020</a:t>
             </a:fld>
             <a:endParaRPr lang="en-GB"/>
           </a:p>
@@ -16472,6 +16496,60 @@
           </a:p>
         </p:txBody>
       </p:sp>
+      <p:sp>
+        <p:nvSpPr>
+          <p:cNvPr id="4" name="Rectangle 3">
+            <a:extLst>
+              <a:ext uri="{FF2B5EF4-FFF2-40B4-BE49-F238E27FC236}">
+                <a16:creationId xmlns:a16="http://schemas.microsoft.com/office/drawing/2014/main" id="{9AD976F5-3F1E-43FC-B901-54461B8C3B47}"/>
+              </a:ext>
+            </a:extLst>
+          </p:cNvPr>
+          <p:cNvSpPr/>
+          <p:nvPr/>
+        </p:nvSpPr>
+        <p:spPr>
+          <a:xfrm>
+            <a:off x="450208" y="2608976"/>
+            <a:ext cx="11291581" cy="285227"/>
+          </a:xfrm>
+          <a:prstGeom prst="rect">
+            <a:avLst/>
+          </a:prstGeom>
+          <a:noFill/>
+          <a:ln w="76200">
+            <a:solidFill>
+              <a:schemeClr val="accent1">
+                <a:lumMod val="75000"/>
+              </a:schemeClr>
+            </a:solidFill>
+          </a:ln>
+        </p:spPr>
+        <p:style>
+          <a:lnRef idx="2">
+            <a:schemeClr val="accent1">
+              <a:shade val="50000"/>
+            </a:schemeClr>
+          </a:lnRef>
+          <a:fillRef idx="1">
+            <a:schemeClr val="accent1"/>
+          </a:fillRef>
+          <a:effectRef idx="0">
+            <a:schemeClr val="accent1"/>
+          </a:effectRef>
+          <a:fontRef idx="minor">
+            <a:schemeClr val="lt1"/>
+          </a:fontRef>
+        </p:style>
+        <p:txBody>
+          <a:bodyPr rtlCol="0" anchor="ctr"/>
+          <a:lstStyle/>
+          <a:p>
+            <a:pPr algn="ctr"/>
+            <a:endParaRPr lang="en-GB"/>
+          </a:p>
+        </p:txBody>
+      </p:sp>
     </p:spTree>
     <p:extLst>
       <p:ext uri="{BB962C8B-B14F-4D97-AF65-F5344CB8AC3E}">
@@ -16529,6 +16607,33 @@
                                   </p:childTnLst>
                                 </p:cTn>
                               </p:par>
+                              <p:par>
+                                <p:cTn id="7" presetID="1" presetClass="entr" presetSubtype="0" fill="hold" grpId="0" nodeType="withEffect">
+                                  <p:stCondLst>
+                                    <p:cond delay="0"/>
+                                  </p:stCondLst>
+                                  <p:childTnLst>
+                                    <p:set>
+                                      <p:cBhvr>
+                                        <p:cTn id="8" dur="1" fill="hold">
+                                          <p:stCondLst>
+                                            <p:cond delay="0"/>
+                                          </p:stCondLst>
+                                        </p:cTn>
+                                        <p:tgtEl>
+                                          <p:spTgt spid="4"/>
+                                        </p:tgtEl>
+                                        <p:attrNameLst>
+                                          <p:attrName>style.visibility</p:attrName>
+                                        </p:attrNameLst>
+                                      </p:cBhvr>
+                                      <p:to>
+                                        <p:strVal val="visible"/>
+                                      </p:to>
+                                    </p:set>
+                                  </p:childTnLst>
+                                </p:cTn>
+                              </p:par>
                             </p:childTnLst>
                           </p:cTn>
                         </p:par>
@@ -16558,6 +16663,7 @@
     </p:tnLst>
     <p:bldLst>
       <p:bldP spid="6" grpId="0" animBg="1"/>
+      <p:bldP spid="4" grpId="0" animBg="1"/>
     </p:bldLst>
   </p:timing>
 </p:sld>
@@ -16601,7 +16707,7 @@
         </p:blipFill>
         <p:spPr>
           <a:xfrm>
-            <a:off x="2597648" y="1424868"/>
+            <a:off x="2541864" y="1776984"/>
             <a:ext cx="8011486" cy="438211"/>
           </a:xfrm>
           <a:prstGeom prst="rect">
@@ -16631,7 +16737,7 @@
         </p:blipFill>
         <p:spPr>
           <a:xfrm>
-            <a:off x="2597648" y="2322491"/>
+            <a:off x="2541864" y="2501904"/>
             <a:ext cx="8992855" cy="438211"/>
           </a:xfrm>
           <a:prstGeom prst="rect">
@@ -16661,7 +16767,7 @@
         </p:blipFill>
         <p:spPr>
           <a:xfrm>
-            <a:off x="2597648" y="629842"/>
+            <a:off x="2541864" y="1048472"/>
             <a:ext cx="8926171" cy="447737"/>
           </a:xfrm>
           <a:prstGeom prst="rect">
@@ -16683,7 +16789,7 @@
         </p:nvSpPr>
         <p:spPr>
           <a:xfrm>
-            <a:off x="2597648" y="100698"/>
+            <a:off x="1342237" y="448349"/>
             <a:ext cx="7682218" cy="369332"/>
           </a:xfrm>
           <a:prstGeom prst="rect">
@@ -16721,7 +16827,7 @@
         </p:nvCxnSpPr>
         <p:spPr>
           <a:xfrm>
-            <a:off x="-2" y="3345110"/>
+            <a:off x="0" y="3252831"/>
             <a:ext cx="12192000" cy="0"/>
           </a:xfrm>
           <a:prstGeom prst="line">
@@ -16764,7 +16870,7 @@
         </p:nvSpPr>
         <p:spPr>
           <a:xfrm>
-            <a:off x="3809646" y="3351402"/>
+            <a:off x="1321542" y="3412127"/>
             <a:ext cx="4572702" cy="369332"/>
           </a:xfrm>
           <a:prstGeom prst="rect">
@@ -16810,7 +16916,7 @@
         </p:blipFill>
         <p:spPr>
           <a:xfrm>
-            <a:off x="4828995" y="4006070"/>
+            <a:off x="4828995" y="4556679"/>
             <a:ext cx="2534004" cy="943107"/>
           </a:xfrm>
           <a:prstGeom prst="rect">
@@ -16832,8 +16938,8 @@
         </p:nvSpPr>
         <p:spPr>
           <a:xfrm>
-            <a:off x="260059" y="629842"/>
-            <a:ext cx="2164359" cy="1754326"/>
+            <a:off x="260058" y="197264"/>
+            <a:ext cx="2164359" cy="2585323"/>
           </a:xfrm>
           <a:prstGeom prst="rect">
             <a:avLst/>
@@ -16845,6 +16951,33 @@
             <a:spAutoFit/>
           </a:bodyPr>
           <a:lstStyle/>
+          <a:p>
+            <a:pPr marL="285750" indent="-285750">
+              <a:buFontTx/>
+              <a:buChar char="-"/>
+            </a:pPr>
+            <a:r>
+              <a:rPr lang="en-GB" dirty="0"/>
+              <a:t>Dataset:</a:t>
+            </a:r>
+          </a:p>
+          <a:p>
+            <a:pPr marL="285750" indent="-285750">
+              <a:buFontTx/>
+              <a:buChar char="-"/>
+            </a:pPr>
+            <a:r>
+              <a:rPr lang="en-GB" dirty="0"/>
+              <a:t>Paper:</a:t>
+            </a:r>
+          </a:p>
+          <a:p>
+            <a:pPr marL="285750" indent="-285750">
+              <a:buFontTx/>
+              <a:buChar char="-"/>
+            </a:pPr>
+            <a:endParaRPr lang="en-GB" dirty="0"/>
+          </a:p>
           <a:p>
             <a:pPr marL="285750" indent="-285750">
               <a:buFontTx/>
@@ -16918,8 +17051,8 @@
         </p:nvSpPr>
         <p:spPr>
           <a:xfrm>
-            <a:off x="260058" y="3429000"/>
-            <a:ext cx="2399252" cy="1477328"/>
+            <a:off x="142612" y="3414723"/>
+            <a:ext cx="2399252" cy="2308324"/>
           </a:xfrm>
           <a:prstGeom prst="rect">
             <a:avLst/>
@@ -16931,6 +17064,33 @@
             <a:spAutoFit/>
           </a:bodyPr>
           <a:lstStyle/>
+          <a:p>
+            <a:pPr marL="285750" indent="-285750">
+              <a:buFontTx/>
+              <a:buChar char="-"/>
+            </a:pPr>
+            <a:r>
+              <a:rPr lang="en-GB" dirty="0"/>
+              <a:t>Data set:</a:t>
+            </a:r>
+          </a:p>
+          <a:p>
+            <a:pPr marL="285750" indent="-285750">
+              <a:buFontTx/>
+              <a:buChar char="-"/>
+            </a:pPr>
+            <a:r>
+              <a:rPr lang="en-GB" dirty="0"/>
+              <a:t>Paper:</a:t>
+            </a:r>
+          </a:p>
+          <a:p>
+            <a:pPr marL="285750" indent="-285750">
+              <a:buFontTx/>
+              <a:buChar char="-"/>
+            </a:pPr>
+            <a:endParaRPr lang="en-GB" dirty="0"/>
+          </a:p>
           <a:p>
             <a:pPr marL="285750" indent="-285750">
               <a:buFontTx/>
@@ -16977,6 +17137,82 @@
               <a:rPr lang="en-GB" dirty="0"/>
               <a:t>Latitude/longitude</a:t>
             </a:r>
+          </a:p>
+        </p:txBody>
+      </p:sp>
+      <p:sp>
+        <p:nvSpPr>
+          <p:cNvPr id="12" name="TextBox 11">
+            <a:extLst>
+              <a:ext uri="{FF2B5EF4-FFF2-40B4-BE49-F238E27FC236}">
+                <a16:creationId xmlns:a16="http://schemas.microsoft.com/office/drawing/2014/main" id="{2EE4A76D-767A-4413-AB03-B74601804281}"/>
+              </a:ext>
+            </a:extLst>
+          </p:cNvPr>
+          <p:cNvSpPr txBox="1"/>
+          <p:nvPr/>
+        </p:nvSpPr>
+        <p:spPr>
+          <a:xfrm>
+            <a:off x="1304763" y="3681533"/>
+            <a:ext cx="7591195" cy="369332"/>
+          </a:xfrm>
+          <a:prstGeom prst="rect">
+            <a:avLst/>
+          </a:prstGeom>
+          <a:noFill/>
+        </p:spPr>
+        <p:txBody>
+          <a:bodyPr wrap="square">
+            <a:spAutoFit/>
+          </a:bodyPr>
+          <a:lstStyle/>
+          <a:p>
+            <a:r>
+              <a:rPr lang="en-GB" dirty="0">
+                <a:hlinkClick r:id="rId8"/>
+              </a:rPr>
+              <a:t>https://ieeexplore-ieee-org.ezproxy2.utwente.nl/abstract/document/8019351</a:t>
+            </a:r>
+            <a:endParaRPr lang="en-GB" dirty="0"/>
+          </a:p>
+        </p:txBody>
+      </p:sp>
+      <p:sp>
+        <p:nvSpPr>
+          <p:cNvPr id="14" name="TextBox 13">
+            <a:extLst>
+              <a:ext uri="{FF2B5EF4-FFF2-40B4-BE49-F238E27FC236}">
+                <a16:creationId xmlns:a16="http://schemas.microsoft.com/office/drawing/2014/main" id="{8FC4DC29-4876-43D9-BD59-AC7CF811639F}"/>
+              </a:ext>
+            </a:extLst>
+          </p:cNvPr>
+          <p:cNvSpPr txBox="1"/>
+          <p:nvPr/>
+        </p:nvSpPr>
+        <p:spPr>
+          <a:xfrm>
+            <a:off x="1342237" y="205965"/>
+            <a:ext cx="6503565" cy="369332"/>
+          </a:xfrm>
+          <a:prstGeom prst="rect">
+            <a:avLst/>
+          </a:prstGeom>
+          <a:noFill/>
+        </p:spPr>
+        <p:txBody>
+          <a:bodyPr wrap="square">
+            <a:spAutoFit/>
+          </a:bodyPr>
+          <a:lstStyle/>
+          <a:p>
+            <a:r>
+              <a:rPr lang="en-GB" dirty="0">
+                <a:hlinkClick r:id="rId9"/>
+              </a:rPr>
+              <a:t>https://dl-acm-org.ezproxy2.utwente.nl/do/10.1145/3192423/abs/</a:t>
+            </a:r>
+            <a:endParaRPr lang="en-GB" dirty="0"/>
           </a:p>
         </p:txBody>
       </p:sp>
